--- a/Microsoft/Purview/Purview-Retail-Data-Protection-Masterclass/02-Data-Foundation/data-templates/Q4-Financial-Review.pptx
+++ b/Microsoft/Purview/Purview-Retail-Data-Protection-Masterclass/02-Data-Foundation/data-templates/Q4-Financial-Review.pptx
@@ -131,7 +131,7 @@
           <p:cNvPr id="2" name="Title 1">
             <a:extLst>
               <a:ext uri="{FF2B5EF4-FFF2-40B4-BE49-F238E27FC236}">
-                <a16:creationId xmlns:a16="http://schemas.microsoft.com/office/drawing/2014/main" id="{723CE3E3-D7A5-6BF1-6B2A-91690E0A5878}"/>
+                <a16:creationId xmlns:a16="http://schemas.microsoft.com/office/drawing/2014/main" id="{B83C6127-622C-6425-B08A-D968901B7640}"/>
               </a:ext>
             </a:extLst>
           </p:cNvPr>
@@ -168,7 +168,7 @@
           <p:cNvPr id="3" name="Subtitle 2">
             <a:extLst>
               <a:ext uri="{FF2B5EF4-FFF2-40B4-BE49-F238E27FC236}">
-                <a16:creationId xmlns:a16="http://schemas.microsoft.com/office/drawing/2014/main" id="{423529D0-15E8-451B-DA53-35D101BFF853}"/>
+                <a16:creationId xmlns:a16="http://schemas.microsoft.com/office/drawing/2014/main" id="{57D64734-1ECA-0684-56C2-8BDD17506778}"/>
               </a:ext>
             </a:extLst>
           </p:cNvPr>
@@ -238,7 +238,7 @@
           <p:cNvPr id="4" name="Date Placeholder 3">
             <a:extLst>
               <a:ext uri="{FF2B5EF4-FFF2-40B4-BE49-F238E27FC236}">
-                <a16:creationId xmlns:a16="http://schemas.microsoft.com/office/drawing/2014/main" id="{A0B750D2-55E5-5B18-F72E-4742FAFD8F8D}"/>
+                <a16:creationId xmlns:a16="http://schemas.microsoft.com/office/drawing/2014/main" id="{E51EDB6C-7BFA-8429-6974-4A35E5467038}"/>
               </a:ext>
             </a:extLst>
           </p:cNvPr>
@@ -254,9 +254,9 @@
           <a:bodyPr/>
           <a:lstStyle/>
           <a:p>
-            <a:fld id="{8B85C3CF-62D4-4E95-ADC8-FC9865F882A7}" type="datetimeFigureOut">
+            <a:fld id="{93D250BA-5528-4DD9-A683-C3DF1BDB6258}" type="datetimeFigureOut">
               <a:rPr lang="en-US" smtClean="0"/>
-              <a:t>12/30/2025</a:t>
+              <a:t>12/31/2025</a:t>
             </a:fld>
             <a:endParaRPr lang="en-US"/>
           </a:p>
@@ -267,7 +267,7 @@
           <p:cNvPr id="5" name="Footer Placeholder 4">
             <a:extLst>
               <a:ext uri="{FF2B5EF4-FFF2-40B4-BE49-F238E27FC236}">
-                <a16:creationId xmlns:a16="http://schemas.microsoft.com/office/drawing/2014/main" id="{ED67ED9A-1F0D-16BC-F23B-C94EA24CE9BA}"/>
+                <a16:creationId xmlns:a16="http://schemas.microsoft.com/office/drawing/2014/main" id="{59C36681-216B-F0C8-10CD-560C304CC5EB}"/>
               </a:ext>
             </a:extLst>
           </p:cNvPr>
@@ -292,7 +292,7 @@
           <p:cNvPr id="6" name="Slide Number Placeholder 5">
             <a:extLst>
               <a:ext uri="{FF2B5EF4-FFF2-40B4-BE49-F238E27FC236}">
-                <a16:creationId xmlns:a16="http://schemas.microsoft.com/office/drawing/2014/main" id="{B5668964-B6F0-1637-19C1-9506364FF78C}"/>
+                <a16:creationId xmlns:a16="http://schemas.microsoft.com/office/drawing/2014/main" id="{AC1F93B9-C266-B40F-E55A-872DC8D362F5}"/>
               </a:ext>
             </a:extLst>
           </p:cNvPr>
@@ -308,7 +308,7 @@
           <a:bodyPr/>
           <a:lstStyle/>
           <a:p>
-            <a:fld id="{4F7A31F8-084B-460F-87D9-30B002BBAA6B}" type="slidenum">
+            <a:fld id="{DCDEDE71-F304-45DF-8A52-FF8803F2FD75}" type="slidenum">
               <a:rPr lang="en-US" smtClean="0"/>
               <a:t>‹#›</a:t>
             </a:fld>
@@ -319,7 +319,7 @@
     </p:spTree>
     <p:extLst>
       <p:ext uri="{BB962C8B-B14F-4D97-AF65-F5344CB8AC3E}">
-        <p14:creationId xmlns:p14="http://schemas.microsoft.com/office/powerpoint/2010/main" val="4060918234"/>
+        <p14:creationId xmlns:p14="http://schemas.microsoft.com/office/powerpoint/2010/main" val="1013994199"/>
       </p:ext>
     </p:extLst>
   </p:cSld>
@@ -351,7 +351,7 @@
           <p:cNvPr id="2" name="Title 1">
             <a:extLst>
               <a:ext uri="{FF2B5EF4-FFF2-40B4-BE49-F238E27FC236}">
-                <a16:creationId xmlns:a16="http://schemas.microsoft.com/office/drawing/2014/main" id="{CD284CB0-7249-4E33-CBA4-C3005261F7E9}"/>
+                <a16:creationId xmlns:a16="http://schemas.microsoft.com/office/drawing/2014/main" id="{35A1B4B2-C269-44D6-A29D-8518920326A7}"/>
               </a:ext>
             </a:extLst>
           </p:cNvPr>
@@ -379,7 +379,7 @@
           <p:cNvPr id="3" name="Vertical Text Placeholder 2">
             <a:extLst>
               <a:ext uri="{FF2B5EF4-FFF2-40B4-BE49-F238E27FC236}">
-                <a16:creationId xmlns:a16="http://schemas.microsoft.com/office/drawing/2014/main" id="{DDD544F2-8ACD-3432-A920-E3898CC01955}"/>
+                <a16:creationId xmlns:a16="http://schemas.microsoft.com/office/drawing/2014/main" id="{7B920BE4-E66A-FF04-30DE-8BD4ACC1CD9B}"/>
               </a:ext>
             </a:extLst>
           </p:cNvPr>
@@ -436,7 +436,7 @@
           <p:cNvPr id="4" name="Date Placeholder 3">
             <a:extLst>
               <a:ext uri="{FF2B5EF4-FFF2-40B4-BE49-F238E27FC236}">
-                <a16:creationId xmlns:a16="http://schemas.microsoft.com/office/drawing/2014/main" id="{BF57636E-EBDB-F3C5-1FAD-C484BA6D9E56}"/>
+                <a16:creationId xmlns:a16="http://schemas.microsoft.com/office/drawing/2014/main" id="{7150B283-E74B-2705-31B9-B7D76B6C9D78}"/>
               </a:ext>
             </a:extLst>
           </p:cNvPr>
@@ -452,9 +452,9 @@
           <a:bodyPr/>
           <a:lstStyle/>
           <a:p>
-            <a:fld id="{8B85C3CF-62D4-4E95-ADC8-FC9865F882A7}" type="datetimeFigureOut">
+            <a:fld id="{93D250BA-5528-4DD9-A683-C3DF1BDB6258}" type="datetimeFigureOut">
               <a:rPr lang="en-US" smtClean="0"/>
-              <a:t>12/30/2025</a:t>
+              <a:t>12/31/2025</a:t>
             </a:fld>
             <a:endParaRPr lang="en-US"/>
           </a:p>
@@ -465,7 +465,7 @@
           <p:cNvPr id="5" name="Footer Placeholder 4">
             <a:extLst>
               <a:ext uri="{FF2B5EF4-FFF2-40B4-BE49-F238E27FC236}">
-                <a16:creationId xmlns:a16="http://schemas.microsoft.com/office/drawing/2014/main" id="{1AB4EAC8-84C9-A349-53A8-D573C9A8FB22}"/>
+                <a16:creationId xmlns:a16="http://schemas.microsoft.com/office/drawing/2014/main" id="{A853E36D-9EA5-4D2A-78AF-4E60B9A49EE8}"/>
               </a:ext>
             </a:extLst>
           </p:cNvPr>
@@ -490,7 +490,7 @@
           <p:cNvPr id="6" name="Slide Number Placeholder 5">
             <a:extLst>
               <a:ext uri="{FF2B5EF4-FFF2-40B4-BE49-F238E27FC236}">
-                <a16:creationId xmlns:a16="http://schemas.microsoft.com/office/drawing/2014/main" id="{6ECCD190-6277-D4BC-A43A-E37749EF39B4}"/>
+                <a16:creationId xmlns:a16="http://schemas.microsoft.com/office/drawing/2014/main" id="{955C4102-FB53-7535-474C-08EE6EF305B7}"/>
               </a:ext>
             </a:extLst>
           </p:cNvPr>
@@ -506,7 +506,7 @@
           <a:bodyPr/>
           <a:lstStyle/>
           <a:p>
-            <a:fld id="{4F7A31F8-084B-460F-87D9-30B002BBAA6B}" type="slidenum">
+            <a:fld id="{DCDEDE71-F304-45DF-8A52-FF8803F2FD75}" type="slidenum">
               <a:rPr lang="en-US" smtClean="0"/>
               <a:t>‹#›</a:t>
             </a:fld>
@@ -517,7 +517,7 @@
     </p:spTree>
     <p:extLst>
       <p:ext uri="{BB962C8B-B14F-4D97-AF65-F5344CB8AC3E}">
-        <p14:creationId xmlns:p14="http://schemas.microsoft.com/office/powerpoint/2010/main" val="3837465117"/>
+        <p14:creationId xmlns:p14="http://schemas.microsoft.com/office/powerpoint/2010/main" val="1031536200"/>
       </p:ext>
     </p:extLst>
   </p:cSld>
@@ -549,7 +549,7 @@
           <p:cNvPr id="2" name="Vertical Title 1">
             <a:extLst>
               <a:ext uri="{FF2B5EF4-FFF2-40B4-BE49-F238E27FC236}">
-                <a16:creationId xmlns:a16="http://schemas.microsoft.com/office/drawing/2014/main" id="{D2A3DA82-9201-682D-BC03-F780C406A04D}"/>
+                <a16:creationId xmlns:a16="http://schemas.microsoft.com/office/drawing/2014/main" id="{80124429-6D8E-1D79-E141-6A0E818528BF}"/>
               </a:ext>
             </a:extLst>
           </p:cNvPr>
@@ -582,7 +582,7 @@
           <p:cNvPr id="3" name="Vertical Text Placeholder 2">
             <a:extLst>
               <a:ext uri="{FF2B5EF4-FFF2-40B4-BE49-F238E27FC236}">
-                <a16:creationId xmlns:a16="http://schemas.microsoft.com/office/drawing/2014/main" id="{B09D9FCE-3E3F-4785-BAF3-EA305F1EF2AA}"/>
+                <a16:creationId xmlns:a16="http://schemas.microsoft.com/office/drawing/2014/main" id="{CAE9B471-13E7-FC20-6A99-40CA5A3AE1A4}"/>
               </a:ext>
             </a:extLst>
           </p:cNvPr>
@@ -644,7 +644,7 @@
           <p:cNvPr id="4" name="Date Placeholder 3">
             <a:extLst>
               <a:ext uri="{FF2B5EF4-FFF2-40B4-BE49-F238E27FC236}">
-                <a16:creationId xmlns:a16="http://schemas.microsoft.com/office/drawing/2014/main" id="{09A2BC2B-3260-D315-B6D6-3B247CF95FF5}"/>
+                <a16:creationId xmlns:a16="http://schemas.microsoft.com/office/drawing/2014/main" id="{1CA8F4BF-3716-BB9E-16FD-FB94D58A0DF8}"/>
               </a:ext>
             </a:extLst>
           </p:cNvPr>
@@ -660,9 +660,9 @@
           <a:bodyPr/>
           <a:lstStyle/>
           <a:p>
-            <a:fld id="{8B85C3CF-62D4-4E95-ADC8-FC9865F882A7}" type="datetimeFigureOut">
+            <a:fld id="{93D250BA-5528-4DD9-A683-C3DF1BDB6258}" type="datetimeFigureOut">
               <a:rPr lang="en-US" smtClean="0"/>
-              <a:t>12/30/2025</a:t>
+              <a:t>12/31/2025</a:t>
             </a:fld>
             <a:endParaRPr lang="en-US"/>
           </a:p>
@@ -673,7 +673,7 @@
           <p:cNvPr id="5" name="Footer Placeholder 4">
             <a:extLst>
               <a:ext uri="{FF2B5EF4-FFF2-40B4-BE49-F238E27FC236}">
-                <a16:creationId xmlns:a16="http://schemas.microsoft.com/office/drawing/2014/main" id="{979FB0D9-317F-9195-4AD3-BB6A22956CE1}"/>
+                <a16:creationId xmlns:a16="http://schemas.microsoft.com/office/drawing/2014/main" id="{2ACFB82D-6B54-525E-F0E5-85B4928AD1ED}"/>
               </a:ext>
             </a:extLst>
           </p:cNvPr>
@@ -698,7 +698,7 @@
           <p:cNvPr id="6" name="Slide Number Placeholder 5">
             <a:extLst>
               <a:ext uri="{FF2B5EF4-FFF2-40B4-BE49-F238E27FC236}">
-                <a16:creationId xmlns:a16="http://schemas.microsoft.com/office/drawing/2014/main" id="{CC1CDDCB-96AB-7632-152F-579C5EC8370A}"/>
+                <a16:creationId xmlns:a16="http://schemas.microsoft.com/office/drawing/2014/main" id="{FDB7BB44-7E59-96BD-0A08-FD18D24ABAEB}"/>
               </a:ext>
             </a:extLst>
           </p:cNvPr>
@@ -714,7 +714,7 @@
           <a:bodyPr/>
           <a:lstStyle/>
           <a:p>
-            <a:fld id="{4F7A31F8-084B-460F-87D9-30B002BBAA6B}" type="slidenum">
+            <a:fld id="{DCDEDE71-F304-45DF-8A52-FF8803F2FD75}" type="slidenum">
               <a:rPr lang="en-US" smtClean="0"/>
               <a:t>‹#›</a:t>
             </a:fld>
@@ -725,7 +725,7 @@
     </p:spTree>
     <p:extLst>
       <p:ext uri="{BB962C8B-B14F-4D97-AF65-F5344CB8AC3E}">
-        <p14:creationId xmlns:p14="http://schemas.microsoft.com/office/powerpoint/2010/main" val="2581805388"/>
+        <p14:creationId xmlns:p14="http://schemas.microsoft.com/office/powerpoint/2010/main" val="504492037"/>
       </p:ext>
     </p:extLst>
   </p:cSld>
@@ -757,7 +757,7 @@
           <p:cNvPr id="2" name="Title 1">
             <a:extLst>
               <a:ext uri="{FF2B5EF4-FFF2-40B4-BE49-F238E27FC236}">
-                <a16:creationId xmlns:a16="http://schemas.microsoft.com/office/drawing/2014/main" id="{76C4EF0C-5AB6-C3CB-1918-E10686978A38}"/>
+                <a16:creationId xmlns:a16="http://schemas.microsoft.com/office/drawing/2014/main" id="{A30A914D-6E43-3F71-B2D1-BB34A635D99D}"/>
               </a:ext>
             </a:extLst>
           </p:cNvPr>
@@ -785,7 +785,7 @@
           <p:cNvPr id="3" name="Text Placeholder 2">
             <a:extLst>
               <a:ext uri="{FF2B5EF4-FFF2-40B4-BE49-F238E27FC236}">
-                <a16:creationId xmlns:a16="http://schemas.microsoft.com/office/drawing/2014/main" id="{893C9323-8312-8BDD-8380-369F43438297}"/>
+                <a16:creationId xmlns:a16="http://schemas.microsoft.com/office/drawing/2014/main" id="{7FA005F4-98F1-85EF-C370-09FA6F165BE5}"/>
               </a:ext>
             </a:extLst>
           </p:cNvPr>
@@ -842,7 +842,7 @@
           <p:cNvPr id="4" name="Date Placeholder 3">
             <a:extLst>
               <a:ext uri="{FF2B5EF4-FFF2-40B4-BE49-F238E27FC236}">
-                <a16:creationId xmlns:a16="http://schemas.microsoft.com/office/drawing/2014/main" id="{89715EBB-5100-2CC6-BE5C-808B978BDDAC}"/>
+                <a16:creationId xmlns:a16="http://schemas.microsoft.com/office/drawing/2014/main" id="{31AFC93C-5FE9-F2C1-2645-6FCD14DC1E6C}"/>
               </a:ext>
             </a:extLst>
           </p:cNvPr>
@@ -858,9 +858,9 @@
           <a:bodyPr/>
           <a:lstStyle/>
           <a:p>
-            <a:fld id="{8B85C3CF-62D4-4E95-ADC8-FC9865F882A7}" type="datetimeFigureOut">
+            <a:fld id="{93D250BA-5528-4DD9-A683-C3DF1BDB6258}" type="datetimeFigureOut">
               <a:rPr lang="en-US" smtClean="0"/>
-              <a:t>12/30/2025</a:t>
+              <a:t>12/31/2025</a:t>
             </a:fld>
             <a:endParaRPr lang="en-US"/>
           </a:p>
@@ -871,7 +871,7 @@
           <p:cNvPr id="5" name="Footer Placeholder 4">
             <a:extLst>
               <a:ext uri="{FF2B5EF4-FFF2-40B4-BE49-F238E27FC236}">
-                <a16:creationId xmlns:a16="http://schemas.microsoft.com/office/drawing/2014/main" id="{3B532202-2034-B9BA-7D79-737445E340E5}"/>
+                <a16:creationId xmlns:a16="http://schemas.microsoft.com/office/drawing/2014/main" id="{D2703514-89A1-C36B-36B3-E1C3A046B47A}"/>
               </a:ext>
             </a:extLst>
           </p:cNvPr>
@@ -896,7 +896,7 @@
           <p:cNvPr id="6" name="Slide Number Placeholder 5">
             <a:extLst>
               <a:ext uri="{FF2B5EF4-FFF2-40B4-BE49-F238E27FC236}">
-                <a16:creationId xmlns:a16="http://schemas.microsoft.com/office/drawing/2014/main" id="{AC732CBD-9AA8-F554-97F9-F3C67E855B8E}"/>
+                <a16:creationId xmlns:a16="http://schemas.microsoft.com/office/drawing/2014/main" id="{75D76A21-80E3-E014-7F71-0DAB8A5A9543}"/>
               </a:ext>
             </a:extLst>
           </p:cNvPr>
@@ -912,7 +912,7 @@
           <a:bodyPr/>
           <a:lstStyle/>
           <a:p>
-            <a:fld id="{4F7A31F8-084B-460F-87D9-30B002BBAA6B}" type="slidenum">
+            <a:fld id="{DCDEDE71-F304-45DF-8A52-FF8803F2FD75}" type="slidenum">
               <a:rPr lang="en-US" smtClean="0"/>
               <a:t>‹#›</a:t>
             </a:fld>
@@ -923,7 +923,7 @@
     </p:spTree>
     <p:extLst>
       <p:ext uri="{BB962C8B-B14F-4D97-AF65-F5344CB8AC3E}">
-        <p14:creationId xmlns:p14="http://schemas.microsoft.com/office/powerpoint/2010/main" val="4095981428"/>
+        <p14:creationId xmlns:p14="http://schemas.microsoft.com/office/powerpoint/2010/main" val="3823195663"/>
       </p:ext>
     </p:extLst>
   </p:cSld>
@@ -955,7 +955,7 @@
           <p:cNvPr id="2" name="Title 1">
             <a:extLst>
               <a:ext uri="{FF2B5EF4-FFF2-40B4-BE49-F238E27FC236}">
-                <a16:creationId xmlns:a16="http://schemas.microsoft.com/office/drawing/2014/main" id="{FBCD798A-EACE-5531-E5B7-1A5FCE1D489F}"/>
+                <a16:creationId xmlns:a16="http://schemas.microsoft.com/office/drawing/2014/main" id="{F2A9F34B-384C-314C-8BBD-E20681072EAC}"/>
               </a:ext>
             </a:extLst>
           </p:cNvPr>
@@ -983,7 +983,7 @@
           <p:cNvPr id="3" name="Content Placeholder 2">
             <a:extLst>
               <a:ext uri="{FF2B5EF4-FFF2-40B4-BE49-F238E27FC236}">
-                <a16:creationId xmlns:a16="http://schemas.microsoft.com/office/drawing/2014/main" id="{BC550766-D2A4-F89F-43D9-2D8ABF7DAABF}"/>
+                <a16:creationId xmlns:a16="http://schemas.microsoft.com/office/drawing/2014/main" id="{E8149D08-7093-94D5-72FA-B959373F619E}"/>
               </a:ext>
             </a:extLst>
           </p:cNvPr>
@@ -1040,7 +1040,7 @@
           <p:cNvPr id="4" name="Date Placeholder 3">
             <a:extLst>
               <a:ext uri="{FF2B5EF4-FFF2-40B4-BE49-F238E27FC236}">
-                <a16:creationId xmlns:a16="http://schemas.microsoft.com/office/drawing/2014/main" id="{790D2851-2D1B-393C-C118-B2ED70A27426}"/>
+                <a16:creationId xmlns:a16="http://schemas.microsoft.com/office/drawing/2014/main" id="{2D024E29-086C-85CE-BD29-F0358AE9041C}"/>
               </a:ext>
             </a:extLst>
           </p:cNvPr>
@@ -1056,9 +1056,9 @@
           <a:bodyPr/>
           <a:lstStyle/>
           <a:p>
-            <a:fld id="{8B85C3CF-62D4-4E95-ADC8-FC9865F882A7}" type="datetimeFigureOut">
+            <a:fld id="{93D250BA-5528-4DD9-A683-C3DF1BDB6258}" type="datetimeFigureOut">
               <a:rPr lang="en-US" smtClean="0"/>
-              <a:t>12/30/2025</a:t>
+              <a:t>12/31/2025</a:t>
             </a:fld>
             <a:endParaRPr lang="en-US"/>
           </a:p>
@@ -1069,7 +1069,7 @@
           <p:cNvPr id="5" name="Footer Placeholder 4">
             <a:extLst>
               <a:ext uri="{FF2B5EF4-FFF2-40B4-BE49-F238E27FC236}">
-                <a16:creationId xmlns:a16="http://schemas.microsoft.com/office/drawing/2014/main" id="{7649F989-5AB7-F8D7-8389-F1BCF6DFF35D}"/>
+                <a16:creationId xmlns:a16="http://schemas.microsoft.com/office/drawing/2014/main" id="{3E2C8236-FAD9-EA84-B2F9-759DC3FC71A9}"/>
               </a:ext>
             </a:extLst>
           </p:cNvPr>
@@ -1094,7 +1094,7 @@
           <p:cNvPr id="6" name="Slide Number Placeholder 5">
             <a:extLst>
               <a:ext uri="{FF2B5EF4-FFF2-40B4-BE49-F238E27FC236}">
-                <a16:creationId xmlns:a16="http://schemas.microsoft.com/office/drawing/2014/main" id="{29996122-EDE4-D555-ADD7-5CAADAE0C70F}"/>
+                <a16:creationId xmlns:a16="http://schemas.microsoft.com/office/drawing/2014/main" id="{49C0B72E-ED56-1836-06E7-3DAA1EBC7F07}"/>
               </a:ext>
             </a:extLst>
           </p:cNvPr>
@@ -1110,7 +1110,7 @@
           <a:bodyPr/>
           <a:lstStyle/>
           <a:p>
-            <a:fld id="{4F7A31F8-084B-460F-87D9-30B002BBAA6B}" type="slidenum">
+            <a:fld id="{DCDEDE71-F304-45DF-8A52-FF8803F2FD75}" type="slidenum">
               <a:rPr lang="en-US" smtClean="0"/>
               <a:t>‹#›</a:t>
             </a:fld>
@@ -1121,7 +1121,7 @@
     </p:spTree>
     <p:extLst>
       <p:ext uri="{BB962C8B-B14F-4D97-AF65-F5344CB8AC3E}">
-        <p14:creationId xmlns:p14="http://schemas.microsoft.com/office/powerpoint/2010/main" val="2127600629"/>
+        <p14:creationId xmlns:p14="http://schemas.microsoft.com/office/powerpoint/2010/main" val="1432655139"/>
       </p:ext>
     </p:extLst>
   </p:cSld>
@@ -1153,7 +1153,7 @@
           <p:cNvPr id="2" name="Title 1">
             <a:extLst>
               <a:ext uri="{FF2B5EF4-FFF2-40B4-BE49-F238E27FC236}">
-                <a16:creationId xmlns:a16="http://schemas.microsoft.com/office/drawing/2014/main" id="{07F118E2-3B66-B915-D1F5-CC936CAA2CF3}"/>
+                <a16:creationId xmlns:a16="http://schemas.microsoft.com/office/drawing/2014/main" id="{95C88071-10EF-E99D-A7A6-BFB399731240}"/>
               </a:ext>
             </a:extLst>
           </p:cNvPr>
@@ -1190,7 +1190,7 @@
           <p:cNvPr id="3" name="Text Placeholder 2">
             <a:extLst>
               <a:ext uri="{FF2B5EF4-FFF2-40B4-BE49-F238E27FC236}">
-                <a16:creationId xmlns:a16="http://schemas.microsoft.com/office/drawing/2014/main" id="{D39297AC-77D5-63BF-6AF3-D3D8544C23B2}"/>
+                <a16:creationId xmlns:a16="http://schemas.microsoft.com/office/drawing/2014/main" id="{B4737D08-ACCD-7CF3-3C56-B2C29B4DDCE7}"/>
               </a:ext>
             </a:extLst>
           </p:cNvPr>
@@ -1315,7 +1315,7 @@
           <p:cNvPr id="4" name="Date Placeholder 3">
             <a:extLst>
               <a:ext uri="{FF2B5EF4-FFF2-40B4-BE49-F238E27FC236}">
-                <a16:creationId xmlns:a16="http://schemas.microsoft.com/office/drawing/2014/main" id="{5F90A8EF-0CDF-5BBE-E46E-88183D448E5E}"/>
+                <a16:creationId xmlns:a16="http://schemas.microsoft.com/office/drawing/2014/main" id="{F30A1F1F-1257-12B6-3B9D-C1F7C752B0ED}"/>
               </a:ext>
             </a:extLst>
           </p:cNvPr>
@@ -1331,9 +1331,9 @@
           <a:bodyPr/>
           <a:lstStyle/>
           <a:p>
-            <a:fld id="{8B85C3CF-62D4-4E95-ADC8-FC9865F882A7}" type="datetimeFigureOut">
+            <a:fld id="{93D250BA-5528-4DD9-A683-C3DF1BDB6258}" type="datetimeFigureOut">
               <a:rPr lang="en-US" smtClean="0"/>
-              <a:t>12/30/2025</a:t>
+              <a:t>12/31/2025</a:t>
             </a:fld>
             <a:endParaRPr lang="en-US"/>
           </a:p>
@@ -1344,7 +1344,7 @@
           <p:cNvPr id="5" name="Footer Placeholder 4">
             <a:extLst>
               <a:ext uri="{FF2B5EF4-FFF2-40B4-BE49-F238E27FC236}">
-                <a16:creationId xmlns:a16="http://schemas.microsoft.com/office/drawing/2014/main" id="{4808051B-A25A-64B4-6362-740F9E5B0685}"/>
+                <a16:creationId xmlns:a16="http://schemas.microsoft.com/office/drawing/2014/main" id="{C3C986C0-39F1-9835-EE15-A074711ED53F}"/>
               </a:ext>
             </a:extLst>
           </p:cNvPr>
@@ -1369,7 +1369,7 @@
           <p:cNvPr id="6" name="Slide Number Placeholder 5">
             <a:extLst>
               <a:ext uri="{FF2B5EF4-FFF2-40B4-BE49-F238E27FC236}">
-                <a16:creationId xmlns:a16="http://schemas.microsoft.com/office/drawing/2014/main" id="{DAF0B36A-923A-861E-8721-E040D899377F}"/>
+                <a16:creationId xmlns:a16="http://schemas.microsoft.com/office/drawing/2014/main" id="{2DF1D6F4-BC3B-C880-DC33-5182608AF5AE}"/>
               </a:ext>
             </a:extLst>
           </p:cNvPr>
@@ -1385,7 +1385,7 @@
           <a:bodyPr/>
           <a:lstStyle/>
           <a:p>
-            <a:fld id="{4F7A31F8-084B-460F-87D9-30B002BBAA6B}" type="slidenum">
+            <a:fld id="{DCDEDE71-F304-45DF-8A52-FF8803F2FD75}" type="slidenum">
               <a:rPr lang="en-US" smtClean="0"/>
               <a:t>‹#›</a:t>
             </a:fld>
@@ -1396,7 +1396,7 @@
     </p:spTree>
     <p:extLst>
       <p:ext uri="{BB962C8B-B14F-4D97-AF65-F5344CB8AC3E}">
-        <p14:creationId xmlns:p14="http://schemas.microsoft.com/office/powerpoint/2010/main" val="3513834288"/>
+        <p14:creationId xmlns:p14="http://schemas.microsoft.com/office/powerpoint/2010/main" val="1949331554"/>
       </p:ext>
     </p:extLst>
   </p:cSld>
@@ -1428,7 +1428,7 @@
           <p:cNvPr id="2" name="Title 1">
             <a:extLst>
               <a:ext uri="{FF2B5EF4-FFF2-40B4-BE49-F238E27FC236}">
-                <a16:creationId xmlns:a16="http://schemas.microsoft.com/office/drawing/2014/main" id="{9C7167EE-B136-BA33-34C7-FFFBD3071A8C}"/>
+                <a16:creationId xmlns:a16="http://schemas.microsoft.com/office/drawing/2014/main" id="{82D7617B-E0FA-F794-B859-00A9C4FFA41B}"/>
               </a:ext>
             </a:extLst>
           </p:cNvPr>
@@ -1456,7 +1456,7 @@
           <p:cNvPr id="3" name="Content Placeholder 2">
             <a:extLst>
               <a:ext uri="{FF2B5EF4-FFF2-40B4-BE49-F238E27FC236}">
-                <a16:creationId xmlns:a16="http://schemas.microsoft.com/office/drawing/2014/main" id="{CC282EEE-3C8F-23C1-85FE-0D4407071821}"/>
+                <a16:creationId xmlns:a16="http://schemas.microsoft.com/office/drawing/2014/main" id="{BA487740-0282-0E09-33E0-D462F15BF788}"/>
               </a:ext>
             </a:extLst>
           </p:cNvPr>
@@ -1518,7 +1518,7 @@
           <p:cNvPr id="4" name="Content Placeholder 3">
             <a:extLst>
               <a:ext uri="{FF2B5EF4-FFF2-40B4-BE49-F238E27FC236}">
-                <a16:creationId xmlns:a16="http://schemas.microsoft.com/office/drawing/2014/main" id="{39D3C097-D034-9867-8B27-6A90A2671A13}"/>
+                <a16:creationId xmlns:a16="http://schemas.microsoft.com/office/drawing/2014/main" id="{308025FC-8F16-2FE8-7579-F2F537FCF6AD}"/>
               </a:ext>
             </a:extLst>
           </p:cNvPr>
@@ -1580,7 +1580,7 @@
           <p:cNvPr id="5" name="Date Placeholder 4">
             <a:extLst>
               <a:ext uri="{FF2B5EF4-FFF2-40B4-BE49-F238E27FC236}">
-                <a16:creationId xmlns:a16="http://schemas.microsoft.com/office/drawing/2014/main" id="{E6CAADF2-48AC-B357-0B4E-A27FCCA84816}"/>
+                <a16:creationId xmlns:a16="http://schemas.microsoft.com/office/drawing/2014/main" id="{DC9FDB5E-BE73-EE5E-20D7-9C6A7749B3CF}"/>
               </a:ext>
             </a:extLst>
           </p:cNvPr>
@@ -1596,9 +1596,9 @@
           <a:bodyPr/>
           <a:lstStyle/>
           <a:p>
-            <a:fld id="{8B85C3CF-62D4-4E95-ADC8-FC9865F882A7}" type="datetimeFigureOut">
+            <a:fld id="{93D250BA-5528-4DD9-A683-C3DF1BDB6258}" type="datetimeFigureOut">
               <a:rPr lang="en-US" smtClean="0"/>
-              <a:t>12/30/2025</a:t>
+              <a:t>12/31/2025</a:t>
             </a:fld>
             <a:endParaRPr lang="en-US"/>
           </a:p>
@@ -1609,7 +1609,7 @@
           <p:cNvPr id="6" name="Footer Placeholder 5">
             <a:extLst>
               <a:ext uri="{FF2B5EF4-FFF2-40B4-BE49-F238E27FC236}">
-                <a16:creationId xmlns:a16="http://schemas.microsoft.com/office/drawing/2014/main" id="{789E3F95-5F8B-4459-FEF5-7FE6E6C3F318}"/>
+                <a16:creationId xmlns:a16="http://schemas.microsoft.com/office/drawing/2014/main" id="{9F797758-AC40-2581-C80D-A0661B87733F}"/>
               </a:ext>
             </a:extLst>
           </p:cNvPr>
@@ -1634,7 +1634,7 @@
           <p:cNvPr id="7" name="Slide Number Placeholder 6">
             <a:extLst>
               <a:ext uri="{FF2B5EF4-FFF2-40B4-BE49-F238E27FC236}">
-                <a16:creationId xmlns:a16="http://schemas.microsoft.com/office/drawing/2014/main" id="{57DF9F7B-7CB5-B227-D42B-BCCF5F6CD50F}"/>
+                <a16:creationId xmlns:a16="http://schemas.microsoft.com/office/drawing/2014/main" id="{1CC4245F-B4A6-B929-1FFE-A12D33BC2C41}"/>
               </a:ext>
             </a:extLst>
           </p:cNvPr>
@@ -1650,7 +1650,7 @@
           <a:bodyPr/>
           <a:lstStyle/>
           <a:p>
-            <a:fld id="{4F7A31F8-084B-460F-87D9-30B002BBAA6B}" type="slidenum">
+            <a:fld id="{DCDEDE71-F304-45DF-8A52-FF8803F2FD75}" type="slidenum">
               <a:rPr lang="en-US" smtClean="0"/>
               <a:t>‹#›</a:t>
             </a:fld>
@@ -1661,7 +1661,7 @@
     </p:spTree>
     <p:extLst>
       <p:ext uri="{BB962C8B-B14F-4D97-AF65-F5344CB8AC3E}">
-        <p14:creationId xmlns:p14="http://schemas.microsoft.com/office/powerpoint/2010/main" val="4208052671"/>
+        <p14:creationId xmlns:p14="http://schemas.microsoft.com/office/powerpoint/2010/main" val="3098041577"/>
       </p:ext>
     </p:extLst>
   </p:cSld>
@@ -1693,7 +1693,7 @@
           <p:cNvPr id="2" name="Title 1">
             <a:extLst>
               <a:ext uri="{FF2B5EF4-FFF2-40B4-BE49-F238E27FC236}">
-                <a16:creationId xmlns:a16="http://schemas.microsoft.com/office/drawing/2014/main" id="{C6B0A0DD-3CC9-33E2-6CE6-B0F2D88FC6B6}"/>
+                <a16:creationId xmlns:a16="http://schemas.microsoft.com/office/drawing/2014/main" id="{4B9FDC70-A992-D1D5-2360-B21454D61F6B}"/>
               </a:ext>
             </a:extLst>
           </p:cNvPr>
@@ -1726,7 +1726,7 @@
           <p:cNvPr id="3" name="Text Placeholder 2">
             <a:extLst>
               <a:ext uri="{FF2B5EF4-FFF2-40B4-BE49-F238E27FC236}">
-                <a16:creationId xmlns:a16="http://schemas.microsoft.com/office/drawing/2014/main" id="{891DB173-47BC-94B8-CD37-6AB0586AC8FC}"/>
+                <a16:creationId xmlns:a16="http://schemas.microsoft.com/office/drawing/2014/main" id="{F42E3DEC-32E0-67EB-CA02-EC88103B2A69}"/>
               </a:ext>
             </a:extLst>
           </p:cNvPr>
@@ -1797,7 +1797,7 @@
           <p:cNvPr id="4" name="Content Placeholder 3">
             <a:extLst>
               <a:ext uri="{FF2B5EF4-FFF2-40B4-BE49-F238E27FC236}">
-                <a16:creationId xmlns:a16="http://schemas.microsoft.com/office/drawing/2014/main" id="{568882C9-84F1-C5AB-5E9B-EC2472DD02AF}"/>
+                <a16:creationId xmlns:a16="http://schemas.microsoft.com/office/drawing/2014/main" id="{CB049F90-D09D-9F2A-01DE-97EE71C87DE8}"/>
               </a:ext>
             </a:extLst>
           </p:cNvPr>
@@ -1859,7 +1859,7 @@
           <p:cNvPr id="5" name="Text Placeholder 4">
             <a:extLst>
               <a:ext uri="{FF2B5EF4-FFF2-40B4-BE49-F238E27FC236}">
-                <a16:creationId xmlns:a16="http://schemas.microsoft.com/office/drawing/2014/main" id="{E46D3D43-A6FC-7F02-54BC-EB5CB1C63C69}"/>
+                <a16:creationId xmlns:a16="http://schemas.microsoft.com/office/drawing/2014/main" id="{A3F2A76E-A1DB-951D-A054-3ED643E661A5}"/>
               </a:ext>
             </a:extLst>
           </p:cNvPr>
@@ -1930,7 +1930,7 @@
           <p:cNvPr id="6" name="Content Placeholder 5">
             <a:extLst>
               <a:ext uri="{FF2B5EF4-FFF2-40B4-BE49-F238E27FC236}">
-                <a16:creationId xmlns:a16="http://schemas.microsoft.com/office/drawing/2014/main" id="{3C793FC0-A758-1B5C-9ABB-AEB1976DDD17}"/>
+                <a16:creationId xmlns:a16="http://schemas.microsoft.com/office/drawing/2014/main" id="{D513C5C6-C56E-710C-5B1F-8F6B6BC7A70A}"/>
               </a:ext>
             </a:extLst>
           </p:cNvPr>
@@ -1992,7 +1992,7 @@
           <p:cNvPr id="7" name="Date Placeholder 6">
             <a:extLst>
               <a:ext uri="{FF2B5EF4-FFF2-40B4-BE49-F238E27FC236}">
-                <a16:creationId xmlns:a16="http://schemas.microsoft.com/office/drawing/2014/main" id="{80C5DEFF-0491-1B2B-1D13-236A0B50EB07}"/>
+                <a16:creationId xmlns:a16="http://schemas.microsoft.com/office/drawing/2014/main" id="{1B0D4EAC-7637-5B9B-B60F-3B617B697BDA}"/>
               </a:ext>
             </a:extLst>
           </p:cNvPr>
@@ -2008,9 +2008,9 @@
           <a:bodyPr/>
           <a:lstStyle/>
           <a:p>
-            <a:fld id="{8B85C3CF-62D4-4E95-ADC8-FC9865F882A7}" type="datetimeFigureOut">
+            <a:fld id="{93D250BA-5528-4DD9-A683-C3DF1BDB6258}" type="datetimeFigureOut">
               <a:rPr lang="en-US" smtClean="0"/>
-              <a:t>12/30/2025</a:t>
+              <a:t>12/31/2025</a:t>
             </a:fld>
             <a:endParaRPr lang="en-US"/>
           </a:p>
@@ -2021,7 +2021,7 @@
           <p:cNvPr id="8" name="Footer Placeholder 7">
             <a:extLst>
               <a:ext uri="{FF2B5EF4-FFF2-40B4-BE49-F238E27FC236}">
-                <a16:creationId xmlns:a16="http://schemas.microsoft.com/office/drawing/2014/main" id="{B90A705E-E37E-2408-8EBB-E0BD533AA308}"/>
+                <a16:creationId xmlns:a16="http://schemas.microsoft.com/office/drawing/2014/main" id="{86A80465-3A19-9AB1-5781-0605232C792A}"/>
               </a:ext>
             </a:extLst>
           </p:cNvPr>
@@ -2046,7 +2046,7 @@
           <p:cNvPr id="9" name="Slide Number Placeholder 8">
             <a:extLst>
               <a:ext uri="{FF2B5EF4-FFF2-40B4-BE49-F238E27FC236}">
-                <a16:creationId xmlns:a16="http://schemas.microsoft.com/office/drawing/2014/main" id="{4B806A8A-D4D3-4AB6-6AFA-5CFA4DF380A6}"/>
+                <a16:creationId xmlns:a16="http://schemas.microsoft.com/office/drawing/2014/main" id="{FA62616B-D5AF-8C24-032E-2814CE2D0D7F}"/>
               </a:ext>
             </a:extLst>
           </p:cNvPr>
@@ -2062,7 +2062,7 @@
           <a:bodyPr/>
           <a:lstStyle/>
           <a:p>
-            <a:fld id="{4F7A31F8-084B-460F-87D9-30B002BBAA6B}" type="slidenum">
+            <a:fld id="{DCDEDE71-F304-45DF-8A52-FF8803F2FD75}" type="slidenum">
               <a:rPr lang="en-US" smtClean="0"/>
               <a:t>‹#›</a:t>
             </a:fld>
@@ -2073,7 +2073,7 @@
     </p:spTree>
     <p:extLst>
       <p:ext uri="{BB962C8B-B14F-4D97-AF65-F5344CB8AC3E}">
-        <p14:creationId xmlns:p14="http://schemas.microsoft.com/office/powerpoint/2010/main" val="2404229587"/>
+        <p14:creationId xmlns:p14="http://schemas.microsoft.com/office/powerpoint/2010/main" val="432396168"/>
       </p:ext>
     </p:extLst>
   </p:cSld>
@@ -2105,7 +2105,7 @@
           <p:cNvPr id="2" name="Title 1">
             <a:extLst>
               <a:ext uri="{FF2B5EF4-FFF2-40B4-BE49-F238E27FC236}">
-                <a16:creationId xmlns:a16="http://schemas.microsoft.com/office/drawing/2014/main" id="{310859F5-5426-CFA1-D5E3-C7D0609652E6}"/>
+                <a16:creationId xmlns:a16="http://schemas.microsoft.com/office/drawing/2014/main" id="{883A8B64-CAB3-1C98-A673-C19720D82C94}"/>
               </a:ext>
             </a:extLst>
           </p:cNvPr>
@@ -2133,7 +2133,7 @@
           <p:cNvPr id="3" name="Date Placeholder 2">
             <a:extLst>
               <a:ext uri="{FF2B5EF4-FFF2-40B4-BE49-F238E27FC236}">
-                <a16:creationId xmlns:a16="http://schemas.microsoft.com/office/drawing/2014/main" id="{8C6ED767-FB69-5DB7-3DC6-643AD1E93A5D}"/>
+                <a16:creationId xmlns:a16="http://schemas.microsoft.com/office/drawing/2014/main" id="{AAB2AAAD-81F6-3742-F08B-53A2A1600604}"/>
               </a:ext>
             </a:extLst>
           </p:cNvPr>
@@ -2149,9 +2149,9 @@
           <a:bodyPr/>
           <a:lstStyle/>
           <a:p>
-            <a:fld id="{8B85C3CF-62D4-4E95-ADC8-FC9865F882A7}" type="datetimeFigureOut">
+            <a:fld id="{93D250BA-5528-4DD9-A683-C3DF1BDB6258}" type="datetimeFigureOut">
               <a:rPr lang="en-US" smtClean="0"/>
-              <a:t>12/30/2025</a:t>
+              <a:t>12/31/2025</a:t>
             </a:fld>
             <a:endParaRPr lang="en-US"/>
           </a:p>
@@ -2162,7 +2162,7 @@
           <p:cNvPr id="4" name="Footer Placeholder 3">
             <a:extLst>
               <a:ext uri="{FF2B5EF4-FFF2-40B4-BE49-F238E27FC236}">
-                <a16:creationId xmlns:a16="http://schemas.microsoft.com/office/drawing/2014/main" id="{62750B89-7571-F6F9-9E34-BB195F7F7600}"/>
+                <a16:creationId xmlns:a16="http://schemas.microsoft.com/office/drawing/2014/main" id="{97D647C7-ED63-A73B-B143-125C522A38A7}"/>
               </a:ext>
             </a:extLst>
           </p:cNvPr>
@@ -2187,7 +2187,7 @@
           <p:cNvPr id="5" name="Slide Number Placeholder 4">
             <a:extLst>
               <a:ext uri="{FF2B5EF4-FFF2-40B4-BE49-F238E27FC236}">
-                <a16:creationId xmlns:a16="http://schemas.microsoft.com/office/drawing/2014/main" id="{B7146E66-FE76-D46D-330D-6AF4E51AC2AB}"/>
+                <a16:creationId xmlns:a16="http://schemas.microsoft.com/office/drawing/2014/main" id="{1DB9C1F1-54F2-31C5-D829-DAAA1047A343}"/>
               </a:ext>
             </a:extLst>
           </p:cNvPr>
@@ -2203,7 +2203,7 @@
           <a:bodyPr/>
           <a:lstStyle/>
           <a:p>
-            <a:fld id="{4F7A31F8-084B-460F-87D9-30B002BBAA6B}" type="slidenum">
+            <a:fld id="{DCDEDE71-F304-45DF-8A52-FF8803F2FD75}" type="slidenum">
               <a:rPr lang="en-US" smtClean="0"/>
               <a:t>‹#›</a:t>
             </a:fld>
@@ -2214,7 +2214,7 @@
     </p:spTree>
     <p:extLst>
       <p:ext uri="{BB962C8B-B14F-4D97-AF65-F5344CB8AC3E}">
-        <p14:creationId xmlns:p14="http://schemas.microsoft.com/office/powerpoint/2010/main" val="3031406646"/>
+        <p14:creationId xmlns:p14="http://schemas.microsoft.com/office/powerpoint/2010/main" val="2109871120"/>
       </p:ext>
     </p:extLst>
   </p:cSld>
@@ -2246,7 +2246,7 @@
           <p:cNvPr id="2" name="Date Placeholder 1">
             <a:extLst>
               <a:ext uri="{FF2B5EF4-FFF2-40B4-BE49-F238E27FC236}">
-                <a16:creationId xmlns:a16="http://schemas.microsoft.com/office/drawing/2014/main" id="{4AFA649A-73A2-A110-ABBD-82F9A2C41446}"/>
+                <a16:creationId xmlns:a16="http://schemas.microsoft.com/office/drawing/2014/main" id="{DFD624C3-3759-171A-2919-DEFC44A67D5C}"/>
               </a:ext>
             </a:extLst>
           </p:cNvPr>
@@ -2262,9 +2262,9 @@
           <a:bodyPr/>
           <a:lstStyle/>
           <a:p>
-            <a:fld id="{8B85C3CF-62D4-4E95-ADC8-FC9865F882A7}" type="datetimeFigureOut">
+            <a:fld id="{93D250BA-5528-4DD9-A683-C3DF1BDB6258}" type="datetimeFigureOut">
               <a:rPr lang="en-US" smtClean="0"/>
-              <a:t>12/30/2025</a:t>
+              <a:t>12/31/2025</a:t>
             </a:fld>
             <a:endParaRPr lang="en-US"/>
           </a:p>
@@ -2275,7 +2275,7 @@
           <p:cNvPr id="3" name="Footer Placeholder 2">
             <a:extLst>
               <a:ext uri="{FF2B5EF4-FFF2-40B4-BE49-F238E27FC236}">
-                <a16:creationId xmlns:a16="http://schemas.microsoft.com/office/drawing/2014/main" id="{D0910CC5-AB12-579B-336D-2A4148DFBA4A}"/>
+                <a16:creationId xmlns:a16="http://schemas.microsoft.com/office/drawing/2014/main" id="{2119365F-816A-BD7B-CD87-134FEDF55414}"/>
               </a:ext>
             </a:extLst>
           </p:cNvPr>
@@ -2300,7 +2300,7 @@
           <p:cNvPr id="4" name="Slide Number Placeholder 3">
             <a:extLst>
               <a:ext uri="{FF2B5EF4-FFF2-40B4-BE49-F238E27FC236}">
-                <a16:creationId xmlns:a16="http://schemas.microsoft.com/office/drawing/2014/main" id="{BA177BB3-ECCD-B06C-B194-D10DF5FD83CD}"/>
+                <a16:creationId xmlns:a16="http://schemas.microsoft.com/office/drawing/2014/main" id="{8A327FF4-98F2-5E69-4ADB-EEE631BF7782}"/>
               </a:ext>
             </a:extLst>
           </p:cNvPr>
@@ -2316,7 +2316,7 @@
           <a:bodyPr/>
           <a:lstStyle/>
           <a:p>
-            <a:fld id="{4F7A31F8-084B-460F-87D9-30B002BBAA6B}" type="slidenum">
+            <a:fld id="{DCDEDE71-F304-45DF-8A52-FF8803F2FD75}" type="slidenum">
               <a:rPr lang="en-US" smtClean="0"/>
               <a:t>‹#›</a:t>
             </a:fld>
@@ -2327,7 +2327,7 @@
     </p:spTree>
     <p:extLst>
       <p:ext uri="{BB962C8B-B14F-4D97-AF65-F5344CB8AC3E}">
-        <p14:creationId xmlns:p14="http://schemas.microsoft.com/office/powerpoint/2010/main" val="4120696413"/>
+        <p14:creationId xmlns:p14="http://schemas.microsoft.com/office/powerpoint/2010/main" val="1585007616"/>
       </p:ext>
     </p:extLst>
   </p:cSld>
@@ -2359,7 +2359,7 @@
           <p:cNvPr id="2" name="Title 1">
             <a:extLst>
               <a:ext uri="{FF2B5EF4-FFF2-40B4-BE49-F238E27FC236}">
-                <a16:creationId xmlns:a16="http://schemas.microsoft.com/office/drawing/2014/main" id="{AAD14D84-731F-B41D-853B-E28ABC7B8E50}"/>
+                <a16:creationId xmlns:a16="http://schemas.microsoft.com/office/drawing/2014/main" id="{BA703885-B006-4D21-890F-47F07809C42F}"/>
               </a:ext>
             </a:extLst>
           </p:cNvPr>
@@ -2396,7 +2396,7 @@
           <p:cNvPr id="3" name="Content Placeholder 2">
             <a:extLst>
               <a:ext uri="{FF2B5EF4-FFF2-40B4-BE49-F238E27FC236}">
-                <a16:creationId xmlns:a16="http://schemas.microsoft.com/office/drawing/2014/main" id="{558D5687-D64E-C5AD-CD35-0F96ECF0414E}"/>
+                <a16:creationId xmlns:a16="http://schemas.microsoft.com/office/drawing/2014/main" id="{06FA625F-3235-1D37-6B9E-9F361BE3079E}"/>
               </a:ext>
             </a:extLst>
           </p:cNvPr>
@@ -2486,7 +2486,7 @@
           <p:cNvPr id="4" name="Text Placeholder 3">
             <a:extLst>
               <a:ext uri="{FF2B5EF4-FFF2-40B4-BE49-F238E27FC236}">
-                <a16:creationId xmlns:a16="http://schemas.microsoft.com/office/drawing/2014/main" id="{4B293F20-2BF7-1175-4EB8-324AE8E836DD}"/>
+                <a16:creationId xmlns:a16="http://schemas.microsoft.com/office/drawing/2014/main" id="{4C32BDC3-C3B3-7DFD-F09C-D8C8C251C515}"/>
               </a:ext>
             </a:extLst>
           </p:cNvPr>
@@ -2557,7 +2557,7 @@
           <p:cNvPr id="5" name="Date Placeholder 4">
             <a:extLst>
               <a:ext uri="{FF2B5EF4-FFF2-40B4-BE49-F238E27FC236}">
-                <a16:creationId xmlns:a16="http://schemas.microsoft.com/office/drawing/2014/main" id="{E4F42D1F-78F9-868E-61BB-8A3B9C55E937}"/>
+                <a16:creationId xmlns:a16="http://schemas.microsoft.com/office/drawing/2014/main" id="{1700097D-B8C6-6A1D-498F-7975E49CBE50}"/>
               </a:ext>
             </a:extLst>
           </p:cNvPr>
@@ -2573,9 +2573,9 @@
           <a:bodyPr/>
           <a:lstStyle/>
           <a:p>
-            <a:fld id="{8B85C3CF-62D4-4E95-ADC8-FC9865F882A7}" type="datetimeFigureOut">
+            <a:fld id="{93D250BA-5528-4DD9-A683-C3DF1BDB6258}" type="datetimeFigureOut">
               <a:rPr lang="en-US" smtClean="0"/>
-              <a:t>12/30/2025</a:t>
+              <a:t>12/31/2025</a:t>
             </a:fld>
             <a:endParaRPr lang="en-US"/>
           </a:p>
@@ -2586,7 +2586,7 @@
           <p:cNvPr id="6" name="Footer Placeholder 5">
             <a:extLst>
               <a:ext uri="{FF2B5EF4-FFF2-40B4-BE49-F238E27FC236}">
-                <a16:creationId xmlns:a16="http://schemas.microsoft.com/office/drawing/2014/main" id="{0A8FB3C1-9C63-8E06-9023-1380A6EC547C}"/>
+                <a16:creationId xmlns:a16="http://schemas.microsoft.com/office/drawing/2014/main" id="{B1620507-0C9E-CDDD-292F-64DF054E4A79}"/>
               </a:ext>
             </a:extLst>
           </p:cNvPr>
@@ -2611,7 +2611,7 @@
           <p:cNvPr id="7" name="Slide Number Placeholder 6">
             <a:extLst>
               <a:ext uri="{FF2B5EF4-FFF2-40B4-BE49-F238E27FC236}">
-                <a16:creationId xmlns:a16="http://schemas.microsoft.com/office/drawing/2014/main" id="{F1161852-92B4-ACC1-09FB-D4C5BC9DE58F}"/>
+                <a16:creationId xmlns:a16="http://schemas.microsoft.com/office/drawing/2014/main" id="{FF3299DC-FC65-6B08-9D03-50714D6D1318}"/>
               </a:ext>
             </a:extLst>
           </p:cNvPr>
@@ -2627,7 +2627,7 @@
           <a:bodyPr/>
           <a:lstStyle/>
           <a:p>
-            <a:fld id="{4F7A31F8-084B-460F-87D9-30B002BBAA6B}" type="slidenum">
+            <a:fld id="{DCDEDE71-F304-45DF-8A52-FF8803F2FD75}" type="slidenum">
               <a:rPr lang="en-US" smtClean="0"/>
               <a:t>‹#›</a:t>
             </a:fld>
@@ -2638,7 +2638,7 @@
     </p:spTree>
     <p:extLst>
       <p:ext uri="{BB962C8B-B14F-4D97-AF65-F5344CB8AC3E}">
-        <p14:creationId xmlns:p14="http://schemas.microsoft.com/office/powerpoint/2010/main" val="1785045657"/>
+        <p14:creationId xmlns:p14="http://schemas.microsoft.com/office/powerpoint/2010/main" val="2960713621"/>
       </p:ext>
     </p:extLst>
   </p:cSld>
@@ -2670,7 +2670,7 @@
           <p:cNvPr id="2" name="Title 1">
             <a:extLst>
               <a:ext uri="{FF2B5EF4-FFF2-40B4-BE49-F238E27FC236}">
-                <a16:creationId xmlns:a16="http://schemas.microsoft.com/office/drawing/2014/main" id="{4EF5FED6-EBAD-43E7-E228-1C6F50321C86}"/>
+                <a16:creationId xmlns:a16="http://schemas.microsoft.com/office/drawing/2014/main" id="{9FDD2A17-7170-1FD3-C1D1-6A4055EB3912}"/>
               </a:ext>
             </a:extLst>
           </p:cNvPr>
@@ -2707,7 +2707,7 @@
           <p:cNvPr id="3" name="Picture Placeholder 2">
             <a:extLst>
               <a:ext uri="{FF2B5EF4-FFF2-40B4-BE49-F238E27FC236}">
-                <a16:creationId xmlns:a16="http://schemas.microsoft.com/office/drawing/2014/main" id="{D2D3F78A-54B4-53BB-94E6-572D24BFFCEE}"/>
+                <a16:creationId xmlns:a16="http://schemas.microsoft.com/office/drawing/2014/main" id="{8655313A-2B5F-B212-42C3-238D5C6B49BF}"/>
               </a:ext>
             </a:extLst>
           </p:cNvPr>
@@ -2774,7 +2774,7 @@
           <p:cNvPr id="4" name="Text Placeholder 3">
             <a:extLst>
               <a:ext uri="{FF2B5EF4-FFF2-40B4-BE49-F238E27FC236}">
-                <a16:creationId xmlns:a16="http://schemas.microsoft.com/office/drawing/2014/main" id="{CAEC9A19-3B08-4798-91F3-5CBCA0BF38D6}"/>
+                <a16:creationId xmlns:a16="http://schemas.microsoft.com/office/drawing/2014/main" id="{002FE1B6-35D5-24D0-06C6-B2D435C8C5D0}"/>
               </a:ext>
             </a:extLst>
           </p:cNvPr>
@@ -2845,7 +2845,7 @@
           <p:cNvPr id="5" name="Date Placeholder 4">
             <a:extLst>
               <a:ext uri="{FF2B5EF4-FFF2-40B4-BE49-F238E27FC236}">
-                <a16:creationId xmlns:a16="http://schemas.microsoft.com/office/drawing/2014/main" id="{697CCA4D-A971-1EEA-D7DF-A70DFC7E9702}"/>
+                <a16:creationId xmlns:a16="http://schemas.microsoft.com/office/drawing/2014/main" id="{A699A475-A4F5-1873-D64C-F149587C61CA}"/>
               </a:ext>
             </a:extLst>
           </p:cNvPr>
@@ -2861,9 +2861,9 @@
           <a:bodyPr/>
           <a:lstStyle/>
           <a:p>
-            <a:fld id="{8B85C3CF-62D4-4E95-ADC8-FC9865F882A7}" type="datetimeFigureOut">
+            <a:fld id="{93D250BA-5528-4DD9-A683-C3DF1BDB6258}" type="datetimeFigureOut">
               <a:rPr lang="en-US" smtClean="0"/>
-              <a:t>12/30/2025</a:t>
+              <a:t>12/31/2025</a:t>
             </a:fld>
             <a:endParaRPr lang="en-US"/>
           </a:p>
@@ -2874,7 +2874,7 @@
           <p:cNvPr id="6" name="Footer Placeholder 5">
             <a:extLst>
               <a:ext uri="{FF2B5EF4-FFF2-40B4-BE49-F238E27FC236}">
-                <a16:creationId xmlns:a16="http://schemas.microsoft.com/office/drawing/2014/main" id="{1ED6B517-DDC4-72AC-9C6B-33A00A26B9DC}"/>
+                <a16:creationId xmlns:a16="http://schemas.microsoft.com/office/drawing/2014/main" id="{80EFF36F-53CE-20D6-86E9-664D1AE50522}"/>
               </a:ext>
             </a:extLst>
           </p:cNvPr>
@@ -2899,7 +2899,7 @@
           <p:cNvPr id="7" name="Slide Number Placeholder 6">
             <a:extLst>
               <a:ext uri="{FF2B5EF4-FFF2-40B4-BE49-F238E27FC236}">
-                <a16:creationId xmlns:a16="http://schemas.microsoft.com/office/drawing/2014/main" id="{6FB2B650-0E72-6E19-53A6-FB573575132B}"/>
+                <a16:creationId xmlns:a16="http://schemas.microsoft.com/office/drawing/2014/main" id="{5F905D1B-D644-5AE1-A131-9A29262D225B}"/>
               </a:ext>
             </a:extLst>
           </p:cNvPr>
@@ -2915,7 +2915,7 @@
           <a:bodyPr/>
           <a:lstStyle/>
           <a:p>
-            <a:fld id="{4F7A31F8-084B-460F-87D9-30B002BBAA6B}" type="slidenum">
+            <a:fld id="{DCDEDE71-F304-45DF-8A52-FF8803F2FD75}" type="slidenum">
               <a:rPr lang="en-US" smtClean="0"/>
               <a:t>‹#›</a:t>
             </a:fld>
@@ -2926,7 +2926,7 @@
     </p:spTree>
     <p:extLst>
       <p:ext uri="{BB962C8B-B14F-4D97-AF65-F5344CB8AC3E}">
-        <p14:creationId xmlns:p14="http://schemas.microsoft.com/office/powerpoint/2010/main" val="3572183967"/>
+        <p14:creationId xmlns:p14="http://schemas.microsoft.com/office/powerpoint/2010/main" val="3732704672"/>
       </p:ext>
     </p:extLst>
   </p:cSld>
@@ -2963,7 +2963,7 @@
           <p:cNvPr id="2" name="Title Placeholder 1">
             <a:extLst>
               <a:ext uri="{FF2B5EF4-FFF2-40B4-BE49-F238E27FC236}">
-                <a16:creationId xmlns:a16="http://schemas.microsoft.com/office/drawing/2014/main" id="{27450C4D-D4A9-E27B-28A5-5AE6A51386C9}"/>
+                <a16:creationId xmlns:a16="http://schemas.microsoft.com/office/drawing/2014/main" id="{88795A4A-DD95-E61F-9D5B-BF9AB26B2F3D}"/>
               </a:ext>
             </a:extLst>
           </p:cNvPr>
@@ -3001,7 +3001,7 @@
           <p:cNvPr id="3" name="Text Placeholder 2">
             <a:extLst>
               <a:ext uri="{FF2B5EF4-FFF2-40B4-BE49-F238E27FC236}">
-                <a16:creationId xmlns:a16="http://schemas.microsoft.com/office/drawing/2014/main" id="{FE11A106-12B8-0CCA-4D8E-33313B72BF36}"/>
+                <a16:creationId xmlns:a16="http://schemas.microsoft.com/office/drawing/2014/main" id="{698195AE-4C97-BCA2-2114-5CE943299308}"/>
               </a:ext>
             </a:extLst>
           </p:cNvPr>
@@ -3068,7 +3068,7 @@
           <p:cNvPr id="4" name="Date Placeholder 3">
             <a:extLst>
               <a:ext uri="{FF2B5EF4-FFF2-40B4-BE49-F238E27FC236}">
-                <a16:creationId xmlns:a16="http://schemas.microsoft.com/office/drawing/2014/main" id="{C9A5BA93-40D9-3A4F-63CE-444992D39503}"/>
+                <a16:creationId xmlns:a16="http://schemas.microsoft.com/office/drawing/2014/main" id="{B84B2082-223C-DCD5-B313-0FC5A4260157}"/>
               </a:ext>
             </a:extLst>
           </p:cNvPr>
@@ -3102,9 +3102,9 @@
             </a:lvl1pPr>
           </a:lstStyle>
           <a:p>
-            <a:fld id="{8B85C3CF-62D4-4E95-ADC8-FC9865F882A7}" type="datetimeFigureOut">
+            <a:fld id="{93D250BA-5528-4DD9-A683-C3DF1BDB6258}" type="datetimeFigureOut">
               <a:rPr lang="en-US" smtClean="0"/>
-              <a:t>12/30/2025</a:t>
+              <a:t>12/31/2025</a:t>
             </a:fld>
             <a:endParaRPr lang="en-US"/>
           </a:p>
@@ -3115,7 +3115,7 @@
           <p:cNvPr id="5" name="Footer Placeholder 4">
             <a:extLst>
               <a:ext uri="{FF2B5EF4-FFF2-40B4-BE49-F238E27FC236}">
-                <a16:creationId xmlns:a16="http://schemas.microsoft.com/office/drawing/2014/main" id="{8473A9DB-8056-2C38-ABB8-A37DC16BDD3A}"/>
+                <a16:creationId xmlns:a16="http://schemas.microsoft.com/office/drawing/2014/main" id="{258FA470-9FB1-AF71-ED3C-B2F362FB55F0}"/>
               </a:ext>
             </a:extLst>
           </p:cNvPr>
@@ -3158,7 +3158,7 @@
           <p:cNvPr id="6" name="Slide Number Placeholder 5">
             <a:extLst>
               <a:ext uri="{FF2B5EF4-FFF2-40B4-BE49-F238E27FC236}">
-                <a16:creationId xmlns:a16="http://schemas.microsoft.com/office/drawing/2014/main" id="{FE0D7A6A-925B-AEAB-C003-E1653ABD8B23}"/>
+                <a16:creationId xmlns:a16="http://schemas.microsoft.com/office/drawing/2014/main" id="{089205CB-5A8E-F9AC-53C5-FDBC5A49DE6E}"/>
               </a:ext>
             </a:extLst>
           </p:cNvPr>
@@ -3192,7 +3192,7 @@
             </a:lvl1pPr>
           </a:lstStyle>
           <a:p>
-            <a:fld id="{4F7A31F8-084B-460F-87D9-30B002BBAA6B}" type="slidenum">
+            <a:fld id="{DCDEDE71-F304-45DF-8A52-FF8803F2FD75}" type="slidenum">
               <a:rPr lang="en-US" smtClean="0"/>
               <a:t>‹#›</a:t>
             </a:fld>
@@ -3203,7 +3203,7 @@
     </p:spTree>
     <p:extLst>
       <p:ext uri="{BB962C8B-B14F-4D97-AF65-F5344CB8AC3E}">
-        <p14:creationId xmlns:p14="http://schemas.microsoft.com/office/powerpoint/2010/main" val="2514369510"/>
+        <p14:creationId xmlns:p14="http://schemas.microsoft.com/office/powerpoint/2010/main" val="1520899618"/>
       </p:ext>
     </p:extLst>
   </p:cSld>
@@ -3527,7 +3527,7 @@
           <p:cNvPr id="2" name="Title 1">
             <a:extLst>
               <a:ext uri="{FF2B5EF4-FFF2-40B4-BE49-F238E27FC236}">
-                <a16:creationId xmlns:a16="http://schemas.microsoft.com/office/drawing/2014/main" id="{01F67B22-F213-1170-308E-1AFD52D0B95E}"/>
+                <a16:creationId xmlns:a16="http://schemas.microsoft.com/office/drawing/2014/main" id="{6A3B93BA-F7F0-AB42-CEFD-2057869176BC}"/>
               </a:ext>
             </a:extLst>
           </p:cNvPr>
@@ -3555,7 +3555,7 @@
           <p:cNvPr id="3" name="Subtitle 2">
             <a:extLst>
               <a:ext uri="{FF2B5EF4-FFF2-40B4-BE49-F238E27FC236}">
-                <a16:creationId xmlns:a16="http://schemas.microsoft.com/office/drawing/2014/main" id="{D45312A5-D06B-CDDC-60DD-10F9F0C1A543}"/>
+                <a16:creationId xmlns:a16="http://schemas.microsoft.com/office/drawing/2014/main" id="{1D6F3B4A-7CDC-ED3B-C7D8-E3C4B23F36C3}"/>
               </a:ext>
             </a:extLst>
           </p:cNvPr>
@@ -3581,7 +3581,7 @@
     </p:spTree>
     <p:extLst>
       <p:ext uri="{BB962C8B-B14F-4D97-AF65-F5344CB8AC3E}">
-        <p14:creationId xmlns:p14="http://schemas.microsoft.com/office/powerpoint/2010/main" val="3638823860"/>
+        <p14:creationId xmlns:p14="http://schemas.microsoft.com/office/powerpoint/2010/main" val="232747763"/>
       </p:ext>
     </p:extLst>
   </p:cSld>
@@ -3613,7 +3613,7 @@
           <p:cNvPr id="2" name="Title 1">
             <a:extLst>
               <a:ext uri="{FF2B5EF4-FFF2-40B4-BE49-F238E27FC236}">
-                <a16:creationId xmlns:a16="http://schemas.microsoft.com/office/drawing/2014/main" id="{B63AA8C2-ACA4-CB33-13D9-170F711A05E6}"/>
+                <a16:creationId xmlns:a16="http://schemas.microsoft.com/office/drawing/2014/main" id="{DB7BF7EA-AE0A-CBF8-82A3-0327C4C76CEE}"/>
               </a:ext>
             </a:extLst>
           </p:cNvPr>
@@ -3641,7 +3641,7 @@
           <p:cNvPr id="3" name="Text Placeholder 2">
             <a:extLst>
               <a:ext uri="{FF2B5EF4-FFF2-40B4-BE49-F238E27FC236}">
-                <a16:creationId xmlns:a16="http://schemas.microsoft.com/office/drawing/2014/main" id="{E40C5B6B-F20B-B3E7-DFE7-107CA7C92169}"/>
+                <a16:creationId xmlns:a16="http://schemas.microsoft.com/office/drawing/2014/main" id="{185B1DA6-3C83-71D2-81A6-DA97EB27DDF0}"/>
               </a:ext>
             </a:extLst>
           </p:cNvPr>
@@ -3662,26 +3662,26 @@
             <a:r>
               <a:rPr lang="en-US"/>
               <a:t>Top Customer Accounts:
-Amanda Rodriguez
-  CC: 3741-518555-51587 (Amex)
-  SSN: 021-08-2161
-  Bank: 145557876 - 78634951
-Michelle Moore
-  CC: 3725-824664-40625 (Amex)
-  SSN: 026-35-7420
-  Bank: 841347377 - 95257136
-Daniel Williams
-  CC: 4584-5320-7551-7567 (Visa)
-  SSN: 849-74-2296
-  Bank: 353857665 - 71381734
-William Wilson
-  CC: 4447-2526-8473-3660 (Visa)
-  SSN: 528-89-0681
-  Bank: 573257311 - 73621026
-William Taylor
-  CC: 3767-155075-40644 (Amex)
-  SSN: 279-85-6302
-  Bank: 871025760 - 88850471
+Lauren Smith
+  CC: 6011-3336-6513-2206 (Discover)
+  SSN: 605-50-4048
+  Bank: 212524838 - 35928397
+Robert Rodriguez
+  CC: 3747-147727-40130 (Amex)
+  SSN: 339-93-9227
+  Bank: 310308176 - 10080973
+Lauren Smith
+  CC: 3705-465003-28226 (Amex)
+  SSN: 583-06-4554
+  Bank: 661028505 - 69775754
+Amanda Wilson
+  CC: 5124-4082-4524-2787 (Mastercard)
+  SSN: 475-47-0764
+  Bank: 708747422 - 98891132
+Jessica Moore
+  CC: 4844-4614-3142-2578 (Visa)
+  SSN: 854-45-5056
+  Bank: 344512868 - 23012863
 </a:t>
             </a:r>
           </a:p>
@@ -3690,7 +3690,7 @@
     </p:spTree>
     <p:extLst>
       <p:ext uri="{BB962C8B-B14F-4D97-AF65-F5344CB8AC3E}">
-        <p14:creationId xmlns:p14="http://schemas.microsoft.com/office/powerpoint/2010/main" val="3386105274"/>
+        <p14:creationId xmlns:p14="http://schemas.microsoft.com/office/powerpoint/2010/main" val="1058895548"/>
       </p:ext>
     </p:extLst>
   </p:cSld>
@@ -3722,7 +3722,7 @@
           <p:cNvPr id="2" name="Title 1">
             <a:extLst>
               <a:ext uri="{FF2B5EF4-FFF2-40B4-BE49-F238E27FC236}">
-                <a16:creationId xmlns:a16="http://schemas.microsoft.com/office/drawing/2014/main" id="{8BF998B6-46C4-1C2A-99F2-52FABEB1260E}"/>
+                <a16:creationId xmlns:a16="http://schemas.microsoft.com/office/drawing/2014/main" id="{320AB0E2-03BB-E297-3C70-6E8F11E699B0}"/>
               </a:ext>
             </a:extLst>
           </p:cNvPr>
@@ -3750,7 +3750,7 @@
           <p:cNvPr id="3" name="Text Placeholder 2">
             <a:extLst>
               <a:ext uri="{FF2B5EF4-FFF2-40B4-BE49-F238E27FC236}">
-                <a16:creationId xmlns:a16="http://schemas.microsoft.com/office/drawing/2014/main" id="{6DA33F7B-A105-730E-5A2A-C64786F2E5D2}"/>
+                <a16:creationId xmlns:a16="http://schemas.microsoft.com/office/drawing/2014/main" id="{00B97C95-0EF9-2836-B6BF-D5E01E1CC039}"/>
               </a:ext>
             </a:extLst>
           </p:cNvPr>
@@ -3763,24 +3763,26 @@
         </p:nvSpPr>
         <p:spPr/>
         <p:txBody>
-          <a:bodyPr/>
+          <a:bodyPr>
+            <a:normAutofit fontScale="25000" lnSpcReduction="20000"/>
+          </a:bodyPr>
           <a:lstStyle/>
           <a:p>
             <a:r>
               <a:rPr lang="en-US"/>
               <a:t>Premium Tier Customers:
-Amanda Rodriguez - amanda.rodriguez@contoso.com
-Loyalty: RET-312831-3 | Phone: (411) 846-7898
-Michelle Moore - michelle.moore@contoso.com
-Loyalty: RET-752764-0 | Phone: (923) 559-7711
-Daniel Williams - daniel.williams@hotmail.com
-Loyalty: RET-562286-2 | Phone: (991) 326-8892
-William Wilson - william.wilson@contoso.com
-Loyalty: RET-325637-7 | Phone: (602) 635-5764
-William Taylor - william.taylor@contoso.com
-Loyalty: RET-356134-7 | Phone: (729) 662-6103
-Jennifer Martin - jennifer.martin@hotmail.com
-Loyalty: RET-415006-8 | Phone: (236) 215-7481
+Lauren Smith - lauren.smith@contoso.com
+Loyalty: RET-176207-4 | Phone: (392) 491-9134
+Robert Rodriguez - robert.rodriguez@contoso.com
+Loyalty: RET-050201-7 | Phone: (998) 566-6021
+Lauren Smith - lauren.smith@gmail.com
+Loyalty: RET-605516-5 | Phone: (809) 627-8980
+Amanda Wilson - amanda.wilson@contoso.com
+Loyalty: RET-667621-0 | Phone: (364) 682-3815
+Jessica Moore - jessica.moore@contoso.com
+Loyalty: RET-088512-3 | Phone: (730) 639-5655
+Lauren Davis - lauren.davis@hotmail.com
+Loyalty: RET-561184-3 | Phone: (659) 762-7463
 </a:t>
             </a:r>
           </a:p>
@@ -3789,7 +3791,7 @@
     </p:spTree>
     <p:extLst>
       <p:ext uri="{BB962C8B-B14F-4D97-AF65-F5344CB8AC3E}">
-        <p14:creationId xmlns:p14="http://schemas.microsoft.com/office/powerpoint/2010/main" val="996912755"/>
+        <p14:creationId xmlns:p14="http://schemas.microsoft.com/office/powerpoint/2010/main" val="2422040216"/>
       </p:ext>
     </p:extLst>
   </p:cSld>
